--- a/ppt 16-9/0916.我们欢笑着继续.pptx
+++ b/ppt 16-9/0916.我们欢笑着继续.pptx
@@ -129,7 +129,7 @@
           <p:cNvPr id="2" name="标题 1">
             <a:extLst>
               <a:ext uri="{FF2B5EF4-FFF2-40B4-BE49-F238E27FC236}">
-                <a16:creationId xmlns:a16="http://schemas.microsoft.com/office/drawing/2014/main" id="{06CEC6A8-0C22-B3CD-0E09-C52F98042821}"/>
+                <a16:creationId xmlns:a16="http://schemas.microsoft.com/office/drawing/2014/main" id="{003351B7-6440-9F93-0519-ED1259694E29}"/>
               </a:ext>
             </a:extLst>
           </p:cNvPr>
@@ -166,7 +166,7 @@
           <p:cNvPr id="3" name="副标题 2">
             <a:extLst>
               <a:ext uri="{FF2B5EF4-FFF2-40B4-BE49-F238E27FC236}">
-                <a16:creationId xmlns:a16="http://schemas.microsoft.com/office/drawing/2014/main" id="{1D653B41-C002-EAEF-8292-B287D5826EA8}"/>
+                <a16:creationId xmlns:a16="http://schemas.microsoft.com/office/drawing/2014/main" id="{5DED3F0E-8510-7497-A0AB-4EBEB7DE28CE}"/>
               </a:ext>
             </a:extLst>
           </p:cNvPr>
@@ -236,7 +236,7 @@
           <p:cNvPr id="4" name="日期占位符 3">
             <a:extLst>
               <a:ext uri="{FF2B5EF4-FFF2-40B4-BE49-F238E27FC236}">
-                <a16:creationId xmlns:a16="http://schemas.microsoft.com/office/drawing/2014/main" id="{EAA402E7-D01B-844A-9F75-03D8A4D118FA}"/>
+                <a16:creationId xmlns:a16="http://schemas.microsoft.com/office/drawing/2014/main" id="{BBC1617D-7DA8-50F5-9DB9-BCC786C24F42}"/>
               </a:ext>
             </a:extLst>
           </p:cNvPr>
@@ -252,7 +252,7 @@
           <a:bodyPr/>
           <a:lstStyle/>
           <a:p>
-            <a:fld id="{FFB755D7-2036-4EC5-9846-ED6D39BD89E6}" type="datetimeFigureOut">
+            <a:fld id="{884ECD35-CE24-46CB-BFB0-95BA3E1D66E6}" type="datetimeFigureOut">
               <a:rPr lang="zh-CN" altLang="en-US" smtClean="0"/>
               <a:t>2024/3/10</a:t>
             </a:fld>
@@ -265,7 +265,7 @@
           <p:cNvPr id="5" name="页脚占位符 4">
             <a:extLst>
               <a:ext uri="{FF2B5EF4-FFF2-40B4-BE49-F238E27FC236}">
-                <a16:creationId xmlns:a16="http://schemas.microsoft.com/office/drawing/2014/main" id="{0480D5BB-E52A-1039-E33E-1A0D8AB4A351}"/>
+                <a16:creationId xmlns:a16="http://schemas.microsoft.com/office/drawing/2014/main" id="{09D895D2-6F62-6D53-0594-DABD8632D8B0}"/>
               </a:ext>
             </a:extLst>
           </p:cNvPr>
@@ -290,7 +290,7 @@
           <p:cNvPr id="6" name="灯片编号占位符 5">
             <a:extLst>
               <a:ext uri="{FF2B5EF4-FFF2-40B4-BE49-F238E27FC236}">
-                <a16:creationId xmlns:a16="http://schemas.microsoft.com/office/drawing/2014/main" id="{A39F75DB-53D9-53EB-F333-93B0865ED2FD}"/>
+                <a16:creationId xmlns:a16="http://schemas.microsoft.com/office/drawing/2014/main" id="{381A7A66-E760-D1FA-F9BF-644664C5AC32}"/>
               </a:ext>
             </a:extLst>
           </p:cNvPr>
@@ -306,7 +306,7 @@
           <a:bodyPr/>
           <a:lstStyle/>
           <a:p>
-            <a:fld id="{B5F4E34E-AFDD-40EA-8EEF-C9CE6153C76B}" type="slidenum">
+            <a:fld id="{D6C93567-06AA-4026-8B3C-A9E4C4FC2257}" type="slidenum">
               <a:rPr lang="zh-CN" altLang="en-US" smtClean="0"/>
               <a:t>‹#›</a:t>
             </a:fld>
@@ -317,7 +317,7 @@
     </p:spTree>
     <p:extLst>
       <p:ext uri="{BB962C8B-B14F-4D97-AF65-F5344CB8AC3E}">
-        <p14:creationId xmlns:p14="http://schemas.microsoft.com/office/powerpoint/2010/main" val="2263136882"/>
+        <p14:creationId xmlns:p14="http://schemas.microsoft.com/office/powerpoint/2010/main" val="822415901"/>
       </p:ext>
     </p:extLst>
   </p:cSld>
@@ -349,7 +349,7 @@
           <p:cNvPr id="2" name="标题 1">
             <a:extLst>
               <a:ext uri="{FF2B5EF4-FFF2-40B4-BE49-F238E27FC236}">
-                <a16:creationId xmlns:a16="http://schemas.microsoft.com/office/drawing/2014/main" id="{E80D69C9-67EC-D9D8-9838-34F68A51FE81}"/>
+                <a16:creationId xmlns:a16="http://schemas.microsoft.com/office/drawing/2014/main" id="{FB16D6A4-8C38-0F41-C8F7-6D61D0CD0E89}"/>
               </a:ext>
             </a:extLst>
           </p:cNvPr>
@@ -377,7 +377,7 @@
           <p:cNvPr id="3" name="竖排文字占位符 2">
             <a:extLst>
               <a:ext uri="{FF2B5EF4-FFF2-40B4-BE49-F238E27FC236}">
-                <a16:creationId xmlns:a16="http://schemas.microsoft.com/office/drawing/2014/main" id="{A232CF9E-C86C-A8D5-17BA-0FEA809348D3}"/>
+                <a16:creationId xmlns:a16="http://schemas.microsoft.com/office/drawing/2014/main" id="{9BC98381-82DE-A96F-0620-F3C9FD6347F7}"/>
               </a:ext>
             </a:extLst>
           </p:cNvPr>
@@ -434,7 +434,7 @@
           <p:cNvPr id="4" name="日期占位符 3">
             <a:extLst>
               <a:ext uri="{FF2B5EF4-FFF2-40B4-BE49-F238E27FC236}">
-                <a16:creationId xmlns:a16="http://schemas.microsoft.com/office/drawing/2014/main" id="{12A6E7F8-6A95-06F8-6135-CA77DF3D5E92}"/>
+                <a16:creationId xmlns:a16="http://schemas.microsoft.com/office/drawing/2014/main" id="{5A7BC310-AD6A-F6D1-6C56-2A80F45C39B1}"/>
               </a:ext>
             </a:extLst>
           </p:cNvPr>
@@ -450,7 +450,7 @@
           <a:bodyPr/>
           <a:lstStyle/>
           <a:p>
-            <a:fld id="{FFB755D7-2036-4EC5-9846-ED6D39BD89E6}" type="datetimeFigureOut">
+            <a:fld id="{884ECD35-CE24-46CB-BFB0-95BA3E1D66E6}" type="datetimeFigureOut">
               <a:rPr lang="zh-CN" altLang="en-US" smtClean="0"/>
               <a:t>2024/3/10</a:t>
             </a:fld>
@@ -463,7 +463,7 @@
           <p:cNvPr id="5" name="页脚占位符 4">
             <a:extLst>
               <a:ext uri="{FF2B5EF4-FFF2-40B4-BE49-F238E27FC236}">
-                <a16:creationId xmlns:a16="http://schemas.microsoft.com/office/drawing/2014/main" id="{2A5B71D1-19A9-27C4-4F53-F019A010D02A}"/>
+                <a16:creationId xmlns:a16="http://schemas.microsoft.com/office/drawing/2014/main" id="{C0B1A6C0-3C96-07BE-000C-6FB1B818D140}"/>
               </a:ext>
             </a:extLst>
           </p:cNvPr>
@@ -488,7 +488,7 @@
           <p:cNvPr id="6" name="灯片编号占位符 5">
             <a:extLst>
               <a:ext uri="{FF2B5EF4-FFF2-40B4-BE49-F238E27FC236}">
-                <a16:creationId xmlns:a16="http://schemas.microsoft.com/office/drawing/2014/main" id="{24A668FE-7FC2-CA73-4548-B99487F8F9A5}"/>
+                <a16:creationId xmlns:a16="http://schemas.microsoft.com/office/drawing/2014/main" id="{2145C0DE-4244-31B0-AA5D-53C434E4DDC7}"/>
               </a:ext>
             </a:extLst>
           </p:cNvPr>
@@ -504,7 +504,7 @@
           <a:bodyPr/>
           <a:lstStyle/>
           <a:p>
-            <a:fld id="{B5F4E34E-AFDD-40EA-8EEF-C9CE6153C76B}" type="slidenum">
+            <a:fld id="{D6C93567-06AA-4026-8B3C-A9E4C4FC2257}" type="slidenum">
               <a:rPr lang="zh-CN" altLang="en-US" smtClean="0"/>
               <a:t>‹#›</a:t>
             </a:fld>
@@ -515,7 +515,7 @@
     </p:spTree>
     <p:extLst>
       <p:ext uri="{BB962C8B-B14F-4D97-AF65-F5344CB8AC3E}">
-        <p14:creationId xmlns:p14="http://schemas.microsoft.com/office/powerpoint/2010/main" val="2292125047"/>
+        <p14:creationId xmlns:p14="http://schemas.microsoft.com/office/powerpoint/2010/main" val="202463416"/>
       </p:ext>
     </p:extLst>
   </p:cSld>
@@ -547,7 +547,7 @@
           <p:cNvPr id="2" name="竖排标题 1">
             <a:extLst>
               <a:ext uri="{FF2B5EF4-FFF2-40B4-BE49-F238E27FC236}">
-                <a16:creationId xmlns:a16="http://schemas.microsoft.com/office/drawing/2014/main" id="{7EAF08AF-784D-0B35-0F5E-4E0D78047E77}"/>
+                <a16:creationId xmlns:a16="http://schemas.microsoft.com/office/drawing/2014/main" id="{42936C80-B656-4302-3FD9-8FA62290E091}"/>
               </a:ext>
             </a:extLst>
           </p:cNvPr>
@@ -580,7 +580,7 @@
           <p:cNvPr id="3" name="竖排文字占位符 2">
             <a:extLst>
               <a:ext uri="{FF2B5EF4-FFF2-40B4-BE49-F238E27FC236}">
-                <a16:creationId xmlns:a16="http://schemas.microsoft.com/office/drawing/2014/main" id="{BCE4D238-CBEF-7561-8F9E-CBAE503F46E4}"/>
+                <a16:creationId xmlns:a16="http://schemas.microsoft.com/office/drawing/2014/main" id="{934D83C1-5280-41ED-B04C-571CC5A61354}"/>
               </a:ext>
             </a:extLst>
           </p:cNvPr>
@@ -642,7 +642,7 @@
           <p:cNvPr id="4" name="日期占位符 3">
             <a:extLst>
               <a:ext uri="{FF2B5EF4-FFF2-40B4-BE49-F238E27FC236}">
-                <a16:creationId xmlns:a16="http://schemas.microsoft.com/office/drawing/2014/main" id="{2DD6EE8C-85F2-D7CC-6C22-A804326129C0}"/>
+                <a16:creationId xmlns:a16="http://schemas.microsoft.com/office/drawing/2014/main" id="{C0D09751-C8CA-5560-2F6E-FDB6058E38C5}"/>
               </a:ext>
             </a:extLst>
           </p:cNvPr>
@@ -658,7 +658,7 @@
           <a:bodyPr/>
           <a:lstStyle/>
           <a:p>
-            <a:fld id="{FFB755D7-2036-4EC5-9846-ED6D39BD89E6}" type="datetimeFigureOut">
+            <a:fld id="{884ECD35-CE24-46CB-BFB0-95BA3E1D66E6}" type="datetimeFigureOut">
               <a:rPr lang="zh-CN" altLang="en-US" smtClean="0"/>
               <a:t>2024/3/10</a:t>
             </a:fld>
@@ -671,7 +671,7 @@
           <p:cNvPr id="5" name="页脚占位符 4">
             <a:extLst>
               <a:ext uri="{FF2B5EF4-FFF2-40B4-BE49-F238E27FC236}">
-                <a16:creationId xmlns:a16="http://schemas.microsoft.com/office/drawing/2014/main" id="{ED6D0163-A9C3-BAEE-2787-76783C019301}"/>
+                <a16:creationId xmlns:a16="http://schemas.microsoft.com/office/drawing/2014/main" id="{8B9D682A-8C16-CBA1-A331-B3FE4ACE11A1}"/>
               </a:ext>
             </a:extLst>
           </p:cNvPr>
@@ -696,7 +696,7 @@
           <p:cNvPr id="6" name="灯片编号占位符 5">
             <a:extLst>
               <a:ext uri="{FF2B5EF4-FFF2-40B4-BE49-F238E27FC236}">
-                <a16:creationId xmlns:a16="http://schemas.microsoft.com/office/drawing/2014/main" id="{C4892C31-1CE7-7A50-9DA4-08ADE1979139}"/>
+                <a16:creationId xmlns:a16="http://schemas.microsoft.com/office/drawing/2014/main" id="{7C622416-8B52-07BA-356E-2D9D56037BB1}"/>
               </a:ext>
             </a:extLst>
           </p:cNvPr>
@@ -712,7 +712,7 @@
           <a:bodyPr/>
           <a:lstStyle/>
           <a:p>
-            <a:fld id="{B5F4E34E-AFDD-40EA-8EEF-C9CE6153C76B}" type="slidenum">
+            <a:fld id="{D6C93567-06AA-4026-8B3C-A9E4C4FC2257}" type="slidenum">
               <a:rPr lang="zh-CN" altLang="en-US" smtClean="0"/>
               <a:t>‹#›</a:t>
             </a:fld>
@@ -723,7 +723,7 @@
     </p:spTree>
     <p:extLst>
       <p:ext uri="{BB962C8B-B14F-4D97-AF65-F5344CB8AC3E}">
-        <p14:creationId xmlns:p14="http://schemas.microsoft.com/office/powerpoint/2010/main" val="2064032210"/>
+        <p14:creationId xmlns:p14="http://schemas.microsoft.com/office/powerpoint/2010/main" val="235250657"/>
       </p:ext>
     </p:extLst>
   </p:cSld>
@@ -755,7 +755,7 @@
           <p:cNvPr id="2" name="标题 1">
             <a:extLst>
               <a:ext uri="{FF2B5EF4-FFF2-40B4-BE49-F238E27FC236}">
-                <a16:creationId xmlns:a16="http://schemas.microsoft.com/office/drawing/2014/main" id="{BA3E1014-C9B7-5638-B974-CF5AA6226A29}"/>
+                <a16:creationId xmlns:a16="http://schemas.microsoft.com/office/drawing/2014/main" id="{552F3C0D-EAFB-6437-1465-D9294C577A43}"/>
               </a:ext>
             </a:extLst>
           </p:cNvPr>
@@ -783,7 +783,7 @@
           <p:cNvPr id="3" name="内容占位符 2">
             <a:extLst>
               <a:ext uri="{FF2B5EF4-FFF2-40B4-BE49-F238E27FC236}">
-                <a16:creationId xmlns:a16="http://schemas.microsoft.com/office/drawing/2014/main" id="{86BC2224-653F-4542-6BE4-B1F05FDDBB52}"/>
+                <a16:creationId xmlns:a16="http://schemas.microsoft.com/office/drawing/2014/main" id="{5E7C2644-6BEA-28BC-830D-DC4360F69F4F}"/>
               </a:ext>
             </a:extLst>
           </p:cNvPr>
@@ -840,7 +840,7 @@
           <p:cNvPr id="4" name="日期占位符 3">
             <a:extLst>
               <a:ext uri="{FF2B5EF4-FFF2-40B4-BE49-F238E27FC236}">
-                <a16:creationId xmlns:a16="http://schemas.microsoft.com/office/drawing/2014/main" id="{1D87CC31-A4B5-0D13-98DA-F10C52C3F5BD}"/>
+                <a16:creationId xmlns:a16="http://schemas.microsoft.com/office/drawing/2014/main" id="{C6983209-3A99-0FA9-CBD8-20DCC237B4D2}"/>
               </a:ext>
             </a:extLst>
           </p:cNvPr>
@@ -856,7 +856,7 @@
           <a:bodyPr/>
           <a:lstStyle/>
           <a:p>
-            <a:fld id="{FFB755D7-2036-4EC5-9846-ED6D39BD89E6}" type="datetimeFigureOut">
+            <a:fld id="{884ECD35-CE24-46CB-BFB0-95BA3E1D66E6}" type="datetimeFigureOut">
               <a:rPr lang="zh-CN" altLang="en-US" smtClean="0"/>
               <a:t>2024/3/10</a:t>
             </a:fld>
@@ -869,7 +869,7 @@
           <p:cNvPr id="5" name="页脚占位符 4">
             <a:extLst>
               <a:ext uri="{FF2B5EF4-FFF2-40B4-BE49-F238E27FC236}">
-                <a16:creationId xmlns:a16="http://schemas.microsoft.com/office/drawing/2014/main" id="{D019FB9A-40FB-E33A-B71C-86AD655CFF51}"/>
+                <a16:creationId xmlns:a16="http://schemas.microsoft.com/office/drawing/2014/main" id="{306EA0ED-C7EB-9C68-8CD5-A8246FA5B5FB}"/>
               </a:ext>
             </a:extLst>
           </p:cNvPr>
@@ -894,7 +894,7 @@
           <p:cNvPr id="6" name="灯片编号占位符 5">
             <a:extLst>
               <a:ext uri="{FF2B5EF4-FFF2-40B4-BE49-F238E27FC236}">
-                <a16:creationId xmlns:a16="http://schemas.microsoft.com/office/drawing/2014/main" id="{F90CE4D2-8921-0304-B471-FCFCCA5BB331}"/>
+                <a16:creationId xmlns:a16="http://schemas.microsoft.com/office/drawing/2014/main" id="{A9E0E320-C202-8A10-4DE1-2E42D175E804}"/>
               </a:ext>
             </a:extLst>
           </p:cNvPr>
@@ -910,7 +910,7 @@
           <a:bodyPr/>
           <a:lstStyle/>
           <a:p>
-            <a:fld id="{B5F4E34E-AFDD-40EA-8EEF-C9CE6153C76B}" type="slidenum">
+            <a:fld id="{D6C93567-06AA-4026-8B3C-A9E4C4FC2257}" type="slidenum">
               <a:rPr lang="zh-CN" altLang="en-US" smtClean="0"/>
               <a:t>‹#›</a:t>
             </a:fld>
@@ -921,7 +921,7 @@
     </p:spTree>
     <p:extLst>
       <p:ext uri="{BB962C8B-B14F-4D97-AF65-F5344CB8AC3E}">
-        <p14:creationId xmlns:p14="http://schemas.microsoft.com/office/powerpoint/2010/main" val="3559895336"/>
+        <p14:creationId xmlns:p14="http://schemas.microsoft.com/office/powerpoint/2010/main" val="3148523748"/>
       </p:ext>
     </p:extLst>
   </p:cSld>
@@ -953,7 +953,7 @@
           <p:cNvPr id="2" name="标题 1">
             <a:extLst>
               <a:ext uri="{FF2B5EF4-FFF2-40B4-BE49-F238E27FC236}">
-                <a16:creationId xmlns:a16="http://schemas.microsoft.com/office/drawing/2014/main" id="{47142AFC-AF2A-6651-D1D1-7E94EA6FB7B7}"/>
+                <a16:creationId xmlns:a16="http://schemas.microsoft.com/office/drawing/2014/main" id="{21A8C347-AD28-465A-6AA6-437BD1DDD504}"/>
               </a:ext>
             </a:extLst>
           </p:cNvPr>
@@ -990,7 +990,7 @@
           <p:cNvPr id="3" name="文本占位符 2">
             <a:extLst>
               <a:ext uri="{FF2B5EF4-FFF2-40B4-BE49-F238E27FC236}">
-                <a16:creationId xmlns:a16="http://schemas.microsoft.com/office/drawing/2014/main" id="{3E740E1B-76A0-5B86-5C26-76A8D03CA541}"/>
+                <a16:creationId xmlns:a16="http://schemas.microsoft.com/office/drawing/2014/main" id="{9EF11AAD-87EA-98EF-7A8E-C99ABC7B5C3A}"/>
               </a:ext>
             </a:extLst>
           </p:cNvPr>
@@ -1115,7 +1115,7 @@
           <p:cNvPr id="4" name="日期占位符 3">
             <a:extLst>
               <a:ext uri="{FF2B5EF4-FFF2-40B4-BE49-F238E27FC236}">
-                <a16:creationId xmlns:a16="http://schemas.microsoft.com/office/drawing/2014/main" id="{D9031FE7-9063-3A35-2C75-D0BAFD0355C6}"/>
+                <a16:creationId xmlns:a16="http://schemas.microsoft.com/office/drawing/2014/main" id="{BAF159CF-0F05-D0A7-9B74-5D8E36DEF4D4}"/>
               </a:ext>
             </a:extLst>
           </p:cNvPr>
@@ -1131,7 +1131,7 @@
           <a:bodyPr/>
           <a:lstStyle/>
           <a:p>
-            <a:fld id="{FFB755D7-2036-4EC5-9846-ED6D39BD89E6}" type="datetimeFigureOut">
+            <a:fld id="{884ECD35-CE24-46CB-BFB0-95BA3E1D66E6}" type="datetimeFigureOut">
               <a:rPr lang="zh-CN" altLang="en-US" smtClean="0"/>
               <a:t>2024/3/10</a:t>
             </a:fld>
@@ -1144,7 +1144,7 @@
           <p:cNvPr id="5" name="页脚占位符 4">
             <a:extLst>
               <a:ext uri="{FF2B5EF4-FFF2-40B4-BE49-F238E27FC236}">
-                <a16:creationId xmlns:a16="http://schemas.microsoft.com/office/drawing/2014/main" id="{A0230434-D466-618E-6223-9C5D8D4BBB9F}"/>
+                <a16:creationId xmlns:a16="http://schemas.microsoft.com/office/drawing/2014/main" id="{8CA673F7-DB80-888D-5FE8-80A8772D1616}"/>
               </a:ext>
             </a:extLst>
           </p:cNvPr>
@@ -1169,7 +1169,7 @@
           <p:cNvPr id="6" name="灯片编号占位符 5">
             <a:extLst>
               <a:ext uri="{FF2B5EF4-FFF2-40B4-BE49-F238E27FC236}">
-                <a16:creationId xmlns:a16="http://schemas.microsoft.com/office/drawing/2014/main" id="{20C4824E-3528-77D0-3B31-ED937FD8B3B0}"/>
+                <a16:creationId xmlns:a16="http://schemas.microsoft.com/office/drawing/2014/main" id="{EDF64862-D7F2-29D6-EC81-CB6E0C3106A0}"/>
               </a:ext>
             </a:extLst>
           </p:cNvPr>
@@ -1185,7 +1185,7 @@
           <a:bodyPr/>
           <a:lstStyle/>
           <a:p>
-            <a:fld id="{B5F4E34E-AFDD-40EA-8EEF-C9CE6153C76B}" type="slidenum">
+            <a:fld id="{D6C93567-06AA-4026-8B3C-A9E4C4FC2257}" type="slidenum">
               <a:rPr lang="zh-CN" altLang="en-US" smtClean="0"/>
               <a:t>‹#›</a:t>
             </a:fld>
@@ -1196,7 +1196,7 @@
     </p:spTree>
     <p:extLst>
       <p:ext uri="{BB962C8B-B14F-4D97-AF65-F5344CB8AC3E}">
-        <p14:creationId xmlns:p14="http://schemas.microsoft.com/office/powerpoint/2010/main" val="1983462769"/>
+        <p14:creationId xmlns:p14="http://schemas.microsoft.com/office/powerpoint/2010/main" val="3223891671"/>
       </p:ext>
     </p:extLst>
   </p:cSld>
@@ -1228,7 +1228,7 @@
           <p:cNvPr id="2" name="标题 1">
             <a:extLst>
               <a:ext uri="{FF2B5EF4-FFF2-40B4-BE49-F238E27FC236}">
-                <a16:creationId xmlns:a16="http://schemas.microsoft.com/office/drawing/2014/main" id="{4E56994F-EFB4-25EC-11EA-8CCBB5757D17}"/>
+                <a16:creationId xmlns:a16="http://schemas.microsoft.com/office/drawing/2014/main" id="{55A59BBD-41B5-EF0B-FD51-EC46E69A7935}"/>
               </a:ext>
             </a:extLst>
           </p:cNvPr>
@@ -1256,7 +1256,7 @@
           <p:cNvPr id="3" name="内容占位符 2">
             <a:extLst>
               <a:ext uri="{FF2B5EF4-FFF2-40B4-BE49-F238E27FC236}">
-                <a16:creationId xmlns:a16="http://schemas.microsoft.com/office/drawing/2014/main" id="{62D43033-83CC-5303-89CD-45B9FD82BAA7}"/>
+                <a16:creationId xmlns:a16="http://schemas.microsoft.com/office/drawing/2014/main" id="{8E34BC15-83EE-FE7B-8A13-46DBDB819F01}"/>
               </a:ext>
             </a:extLst>
           </p:cNvPr>
@@ -1318,7 +1318,7 @@
           <p:cNvPr id="4" name="内容占位符 3">
             <a:extLst>
               <a:ext uri="{FF2B5EF4-FFF2-40B4-BE49-F238E27FC236}">
-                <a16:creationId xmlns:a16="http://schemas.microsoft.com/office/drawing/2014/main" id="{DAD3D916-BA49-076D-8EC5-803905710A91}"/>
+                <a16:creationId xmlns:a16="http://schemas.microsoft.com/office/drawing/2014/main" id="{BB4E80B8-5774-1E8B-3DBC-9AF733CE36A0}"/>
               </a:ext>
             </a:extLst>
           </p:cNvPr>
@@ -1380,7 +1380,7 @@
           <p:cNvPr id="5" name="日期占位符 4">
             <a:extLst>
               <a:ext uri="{FF2B5EF4-FFF2-40B4-BE49-F238E27FC236}">
-                <a16:creationId xmlns:a16="http://schemas.microsoft.com/office/drawing/2014/main" id="{6165C574-BD54-EB55-B64B-9B92966B91E6}"/>
+                <a16:creationId xmlns:a16="http://schemas.microsoft.com/office/drawing/2014/main" id="{93DE394A-589B-8FCB-D17A-7F7BA185A2BE}"/>
               </a:ext>
             </a:extLst>
           </p:cNvPr>
@@ -1396,7 +1396,7 @@
           <a:bodyPr/>
           <a:lstStyle/>
           <a:p>
-            <a:fld id="{FFB755D7-2036-4EC5-9846-ED6D39BD89E6}" type="datetimeFigureOut">
+            <a:fld id="{884ECD35-CE24-46CB-BFB0-95BA3E1D66E6}" type="datetimeFigureOut">
               <a:rPr lang="zh-CN" altLang="en-US" smtClean="0"/>
               <a:t>2024/3/10</a:t>
             </a:fld>
@@ -1409,7 +1409,7 @@
           <p:cNvPr id="6" name="页脚占位符 5">
             <a:extLst>
               <a:ext uri="{FF2B5EF4-FFF2-40B4-BE49-F238E27FC236}">
-                <a16:creationId xmlns:a16="http://schemas.microsoft.com/office/drawing/2014/main" id="{A58E2EF6-68AE-830C-9E40-85FAE9519BD5}"/>
+                <a16:creationId xmlns:a16="http://schemas.microsoft.com/office/drawing/2014/main" id="{77B5322D-2645-5C69-5F5F-DF1B5EE139BE}"/>
               </a:ext>
             </a:extLst>
           </p:cNvPr>
@@ -1434,7 +1434,7 @@
           <p:cNvPr id="7" name="灯片编号占位符 6">
             <a:extLst>
               <a:ext uri="{FF2B5EF4-FFF2-40B4-BE49-F238E27FC236}">
-                <a16:creationId xmlns:a16="http://schemas.microsoft.com/office/drawing/2014/main" id="{6AB103BB-5407-6F2D-9790-5D71CDE2403F}"/>
+                <a16:creationId xmlns:a16="http://schemas.microsoft.com/office/drawing/2014/main" id="{073E392E-685F-5851-8E54-2DB92C790C89}"/>
               </a:ext>
             </a:extLst>
           </p:cNvPr>
@@ -1450,7 +1450,7 @@
           <a:bodyPr/>
           <a:lstStyle/>
           <a:p>
-            <a:fld id="{B5F4E34E-AFDD-40EA-8EEF-C9CE6153C76B}" type="slidenum">
+            <a:fld id="{D6C93567-06AA-4026-8B3C-A9E4C4FC2257}" type="slidenum">
               <a:rPr lang="zh-CN" altLang="en-US" smtClean="0"/>
               <a:t>‹#›</a:t>
             </a:fld>
@@ -1461,7 +1461,7 @@
     </p:spTree>
     <p:extLst>
       <p:ext uri="{BB962C8B-B14F-4D97-AF65-F5344CB8AC3E}">
-        <p14:creationId xmlns:p14="http://schemas.microsoft.com/office/powerpoint/2010/main" val="3772558827"/>
+        <p14:creationId xmlns:p14="http://schemas.microsoft.com/office/powerpoint/2010/main" val="405947173"/>
       </p:ext>
     </p:extLst>
   </p:cSld>
@@ -1493,7 +1493,7 @@
           <p:cNvPr id="2" name="标题 1">
             <a:extLst>
               <a:ext uri="{FF2B5EF4-FFF2-40B4-BE49-F238E27FC236}">
-                <a16:creationId xmlns:a16="http://schemas.microsoft.com/office/drawing/2014/main" id="{ED5A6D4C-ABB8-FF29-D660-BC432D994834}"/>
+                <a16:creationId xmlns:a16="http://schemas.microsoft.com/office/drawing/2014/main" id="{476ECF5A-6921-C313-FA9A-24E009CB5194}"/>
               </a:ext>
             </a:extLst>
           </p:cNvPr>
@@ -1526,7 +1526,7 @@
           <p:cNvPr id="3" name="文本占位符 2">
             <a:extLst>
               <a:ext uri="{FF2B5EF4-FFF2-40B4-BE49-F238E27FC236}">
-                <a16:creationId xmlns:a16="http://schemas.microsoft.com/office/drawing/2014/main" id="{7774FD65-2EF8-3F1D-4B6D-4391FB3748B4}"/>
+                <a16:creationId xmlns:a16="http://schemas.microsoft.com/office/drawing/2014/main" id="{8DEEF47F-D32F-EEFB-D1AC-C27F1D0B99D1}"/>
               </a:ext>
             </a:extLst>
           </p:cNvPr>
@@ -1597,7 +1597,7 @@
           <p:cNvPr id="4" name="内容占位符 3">
             <a:extLst>
               <a:ext uri="{FF2B5EF4-FFF2-40B4-BE49-F238E27FC236}">
-                <a16:creationId xmlns:a16="http://schemas.microsoft.com/office/drawing/2014/main" id="{0913523D-AF8B-A3A0-046C-7E71CDC14969}"/>
+                <a16:creationId xmlns:a16="http://schemas.microsoft.com/office/drawing/2014/main" id="{6EC53CD8-CAB6-D3A0-7DF9-46EA0A63EC62}"/>
               </a:ext>
             </a:extLst>
           </p:cNvPr>
@@ -1659,7 +1659,7 @@
           <p:cNvPr id="5" name="文本占位符 4">
             <a:extLst>
               <a:ext uri="{FF2B5EF4-FFF2-40B4-BE49-F238E27FC236}">
-                <a16:creationId xmlns:a16="http://schemas.microsoft.com/office/drawing/2014/main" id="{6062D871-74A7-B7A3-2680-1F0933E653A7}"/>
+                <a16:creationId xmlns:a16="http://schemas.microsoft.com/office/drawing/2014/main" id="{F43DB46E-082B-CFF5-A051-0F23BBA59488}"/>
               </a:ext>
             </a:extLst>
           </p:cNvPr>
@@ -1730,7 +1730,7 @@
           <p:cNvPr id="6" name="内容占位符 5">
             <a:extLst>
               <a:ext uri="{FF2B5EF4-FFF2-40B4-BE49-F238E27FC236}">
-                <a16:creationId xmlns:a16="http://schemas.microsoft.com/office/drawing/2014/main" id="{A2F10D09-3E7A-5A4C-BD2B-A9B2E4AAC6EB}"/>
+                <a16:creationId xmlns:a16="http://schemas.microsoft.com/office/drawing/2014/main" id="{860A906C-81A8-84B5-20D6-F76C1F1DE3DA}"/>
               </a:ext>
             </a:extLst>
           </p:cNvPr>
@@ -1792,7 +1792,7 @@
           <p:cNvPr id="7" name="日期占位符 6">
             <a:extLst>
               <a:ext uri="{FF2B5EF4-FFF2-40B4-BE49-F238E27FC236}">
-                <a16:creationId xmlns:a16="http://schemas.microsoft.com/office/drawing/2014/main" id="{373B4FB9-82CD-3E09-116A-FF7008193EF3}"/>
+                <a16:creationId xmlns:a16="http://schemas.microsoft.com/office/drawing/2014/main" id="{CA236F15-6F6A-05DC-B1FF-4DF83900F70F}"/>
               </a:ext>
             </a:extLst>
           </p:cNvPr>
@@ -1808,7 +1808,7 @@
           <a:bodyPr/>
           <a:lstStyle/>
           <a:p>
-            <a:fld id="{FFB755D7-2036-4EC5-9846-ED6D39BD89E6}" type="datetimeFigureOut">
+            <a:fld id="{884ECD35-CE24-46CB-BFB0-95BA3E1D66E6}" type="datetimeFigureOut">
               <a:rPr lang="zh-CN" altLang="en-US" smtClean="0"/>
               <a:t>2024/3/10</a:t>
             </a:fld>
@@ -1821,7 +1821,7 @@
           <p:cNvPr id="8" name="页脚占位符 7">
             <a:extLst>
               <a:ext uri="{FF2B5EF4-FFF2-40B4-BE49-F238E27FC236}">
-                <a16:creationId xmlns:a16="http://schemas.microsoft.com/office/drawing/2014/main" id="{A02B2692-AC7A-C5B3-AC69-545C6E06C33D}"/>
+                <a16:creationId xmlns:a16="http://schemas.microsoft.com/office/drawing/2014/main" id="{978C462C-3541-F2A8-A25E-DD7E6B41E88D}"/>
               </a:ext>
             </a:extLst>
           </p:cNvPr>
@@ -1846,7 +1846,7 @@
           <p:cNvPr id="9" name="灯片编号占位符 8">
             <a:extLst>
               <a:ext uri="{FF2B5EF4-FFF2-40B4-BE49-F238E27FC236}">
-                <a16:creationId xmlns:a16="http://schemas.microsoft.com/office/drawing/2014/main" id="{630B3C06-7AA4-209D-6784-913ED37FC766}"/>
+                <a16:creationId xmlns:a16="http://schemas.microsoft.com/office/drawing/2014/main" id="{431CC481-5978-A21E-5CB6-3EA94D43EF29}"/>
               </a:ext>
             </a:extLst>
           </p:cNvPr>
@@ -1862,7 +1862,7 @@
           <a:bodyPr/>
           <a:lstStyle/>
           <a:p>
-            <a:fld id="{B5F4E34E-AFDD-40EA-8EEF-C9CE6153C76B}" type="slidenum">
+            <a:fld id="{D6C93567-06AA-4026-8B3C-A9E4C4FC2257}" type="slidenum">
               <a:rPr lang="zh-CN" altLang="en-US" smtClean="0"/>
               <a:t>‹#›</a:t>
             </a:fld>
@@ -1873,7 +1873,7 @@
     </p:spTree>
     <p:extLst>
       <p:ext uri="{BB962C8B-B14F-4D97-AF65-F5344CB8AC3E}">
-        <p14:creationId xmlns:p14="http://schemas.microsoft.com/office/powerpoint/2010/main" val="367145209"/>
+        <p14:creationId xmlns:p14="http://schemas.microsoft.com/office/powerpoint/2010/main" val="2151464081"/>
       </p:ext>
     </p:extLst>
   </p:cSld>
@@ -1905,7 +1905,7 @@
           <p:cNvPr id="2" name="标题 1">
             <a:extLst>
               <a:ext uri="{FF2B5EF4-FFF2-40B4-BE49-F238E27FC236}">
-                <a16:creationId xmlns:a16="http://schemas.microsoft.com/office/drawing/2014/main" id="{1C62D90E-3C7B-B589-FE55-898FABA839E3}"/>
+                <a16:creationId xmlns:a16="http://schemas.microsoft.com/office/drawing/2014/main" id="{47296665-39CB-1CFD-59EB-D729ACE93627}"/>
               </a:ext>
             </a:extLst>
           </p:cNvPr>
@@ -1933,7 +1933,7 @@
           <p:cNvPr id="3" name="日期占位符 2">
             <a:extLst>
               <a:ext uri="{FF2B5EF4-FFF2-40B4-BE49-F238E27FC236}">
-                <a16:creationId xmlns:a16="http://schemas.microsoft.com/office/drawing/2014/main" id="{CB8C4658-7C9C-0E33-DD55-8C4C068A43C7}"/>
+                <a16:creationId xmlns:a16="http://schemas.microsoft.com/office/drawing/2014/main" id="{F4BC2B6F-3BC4-4830-083D-E1E1F0BBC988}"/>
               </a:ext>
             </a:extLst>
           </p:cNvPr>
@@ -1949,7 +1949,7 @@
           <a:bodyPr/>
           <a:lstStyle/>
           <a:p>
-            <a:fld id="{FFB755D7-2036-4EC5-9846-ED6D39BD89E6}" type="datetimeFigureOut">
+            <a:fld id="{884ECD35-CE24-46CB-BFB0-95BA3E1D66E6}" type="datetimeFigureOut">
               <a:rPr lang="zh-CN" altLang="en-US" smtClean="0"/>
               <a:t>2024/3/10</a:t>
             </a:fld>
@@ -1962,7 +1962,7 @@
           <p:cNvPr id="4" name="页脚占位符 3">
             <a:extLst>
               <a:ext uri="{FF2B5EF4-FFF2-40B4-BE49-F238E27FC236}">
-                <a16:creationId xmlns:a16="http://schemas.microsoft.com/office/drawing/2014/main" id="{72B6024E-172B-2FF8-BD78-8B20025AF30E}"/>
+                <a16:creationId xmlns:a16="http://schemas.microsoft.com/office/drawing/2014/main" id="{D4E381E3-1709-C45F-1EC9-3504CFE21F73}"/>
               </a:ext>
             </a:extLst>
           </p:cNvPr>
@@ -1987,7 +1987,7 @@
           <p:cNvPr id="5" name="灯片编号占位符 4">
             <a:extLst>
               <a:ext uri="{FF2B5EF4-FFF2-40B4-BE49-F238E27FC236}">
-                <a16:creationId xmlns:a16="http://schemas.microsoft.com/office/drawing/2014/main" id="{4CFB1E42-D993-EC06-B138-A30E7905A7DB}"/>
+                <a16:creationId xmlns:a16="http://schemas.microsoft.com/office/drawing/2014/main" id="{07F4C8A6-00B4-F404-D450-541ABF01E7CB}"/>
               </a:ext>
             </a:extLst>
           </p:cNvPr>
@@ -2003,7 +2003,7 @@
           <a:bodyPr/>
           <a:lstStyle/>
           <a:p>
-            <a:fld id="{B5F4E34E-AFDD-40EA-8EEF-C9CE6153C76B}" type="slidenum">
+            <a:fld id="{D6C93567-06AA-4026-8B3C-A9E4C4FC2257}" type="slidenum">
               <a:rPr lang="zh-CN" altLang="en-US" smtClean="0"/>
               <a:t>‹#›</a:t>
             </a:fld>
@@ -2014,7 +2014,7 @@
     </p:spTree>
     <p:extLst>
       <p:ext uri="{BB962C8B-B14F-4D97-AF65-F5344CB8AC3E}">
-        <p14:creationId xmlns:p14="http://schemas.microsoft.com/office/powerpoint/2010/main" val="2310601640"/>
+        <p14:creationId xmlns:p14="http://schemas.microsoft.com/office/powerpoint/2010/main" val="3046590338"/>
       </p:ext>
     </p:extLst>
   </p:cSld>
@@ -2046,7 +2046,7 @@
           <p:cNvPr id="2" name="日期占位符 1">
             <a:extLst>
               <a:ext uri="{FF2B5EF4-FFF2-40B4-BE49-F238E27FC236}">
-                <a16:creationId xmlns:a16="http://schemas.microsoft.com/office/drawing/2014/main" id="{15858959-15A4-B337-498C-3AC84E04EEDE}"/>
+                <a16:creationId xmlns:a16="http://schemas.microsoft.com/office/drawing/2014/main" id="{BA8CC811-01FA-62EA-AD2A-BAC68469BC1C}"/>
               </a:ext>
             </a:extLst>
           </p:cNvPr>
@@ -2062,7 +2062,7 @@
           <a:bodyPr/>
           <a:lstStyle/>
           <a:p>
-            <a:fld id="{FFB755D7-2036-4EC5-9846-ED6D39BD89E6}" type="datetimeFigureOut">
+            <a:fld id="{884ECD35-CE24-46CB-BFB0-95BA3E1D66E6}" type="datetimeFigureOut">
               <a:rPr lang="zh-CN" altLang="en-US" smtClean="0"/>
               <a:t>2024/3/10</a:t>
             </a:fld>
@@ -2075,7 +2075,7 @@
           <p:cNvPr id="3" name="页脚占位符 2">
             <a:extLst>
               <a:ext uri="{FF2B5EF4-FFF2-40B4-BE49-F238E27FC236}">
-                <a16:creationId xmlns:a16="http://schemas.microsoft.com/office/drawing/2014/main" id="{47A0D3F7-A215-6240-4898-A5CB4723BEB0}"/>
+                <a16:creationId xmlns:a16="http://schemas.microsoft.com/office/drawing/2014/main" id="{CDD1D5A4-C0D6-CA85-9835-B3B17520EEDC}"/>
               </a:ext>
             </a:extLst>
           </p:cNvPr>
@@ -2100,7 +2100,7 @@
           <p:cNvPr id="4" name="灯片编号占位符 3">
             <a:extLst>
               <a:ext uri="{FF2B5EF4-FFF2-40B4-BE49-F238E27FC236}">
-                <a16:creationId xmlns:a16="http://schemas.microsoft.com/office/drawing/2014/main" id="{794AB39C-A8A2-F483-52BF-6B2F09A04D52}"/>
+                <a16:creationId xmlns:a16="http://schemas.microsoft.com/office/drawing/2014/main" id="{ABDC08B7-F530-2AF8-E801-2804E08A3B40}"/>
               </a:ext>
             </a:extLst>
           </p:cNvPr>
@@ -2116,7 +2116,7 @@
           <a:bodyPr/>
           <a:lstStyle/>
           <a:p>
-            <a:fld id="{B5F4E34E-AFDD-40EA-8EEF-C9CE6153C76B}" type="slidenum">
+            <a:fld id="{D6C93567-06AA-4026-8B3C-A9E4C4FC2257}" type="slidenum">
               <a:rPr lang="zh-CN" altLang="en-US" smtClean="0"/>
               <a:t>‹#›</a:t>
             </a:fld>
@@ -2127,7 +2127,7 @@
     </p:spTree>
     <p:extLst>
       <p:ext uri="{BB962C8B-B14F-4D97-AF65-F5344CB8AC3E}">
-        <p14:creationId xmlns:p14="http://schemas.microsoft.com/office/powerpoint/2010/main" val="1737734784"/>
+        <p14:creationId xmlns:p14="http://schemas.microsoft.com/office/powerpoint/2010/main" val="2771961986"/>
       </p:ext>
     </p:extLst>
   </p:cSld>
@@ -2159,7 +2159,7 @@
           <p:cNvPr id="2" name="标题 1">
             <a:extLst>
               <a:ext uri="{FF2B5EF4-FFF2-40B4-BE49-F238E27FC236}">
-                <a16:creationId xmlns:a16="http://schemas.microsoft.com/office/drawing/2014/main" id="{A6365184-7AD1-C863-006F-6E4174B7525B}"/>
+                <a16:creationId xmlns:a16="http://schemas.microsoft.com/office/drawing/2014/main" id="{147181AC-FA51-A1F3-1333-53FC59F4DD79}"/>
               </a:ext>
             </a:extLst>
           </p:cNvPr>
@@ -2196,7 +2196,7 @@
           <p:cNvPr id="3" name="内容占位符 2">
             <a:extLst>
               <a:ext uri="{FF2B5EF4-FFF2-40B4-BE49-F238E27FC236}">
-                <a16:creationId xmlns:a16="http://schemas.microsoft.com/office/drawing/2014/main" id="{AF272436-BEEB-ACA1-5954-1C9BB353C8F5}"/>
+                <a16:creationId xmlns:a16="http://schemas.microsoft.com/office/drawing/2014/main" id="{592B7874-2C78-F4C6-E935-67C47C9B0446}"/>
               </a:ext>
             </a:extLst>
           </p:cNvPr>
@@ -2286,7 +2286,7 @@
           <p:cNvPr id="4" name="文本占位符 3">
             <a:extLst>
               <a:ext uri="{FF2B5EF4-FFF2-40B4-BE49-F238E27FC236}">
-                <a16:creationId xmlns:a16="http://schemas.microsoft.com/office/drawing/2014/main" id="{FF3D20E4-1A26-7920-64BC-FB6FDE104C3B}"/>
+                <a16:creationId xmlns:a16="http://schemas.microsoft.com/office/drawing/2014/main" id="{693484F2-A928-EDD0-B3B3-53349664C210}"/>
               </a:ext>
             </a:extLst>
           </p:cNvPr>
@@ -2357,7 +2357,7 @@
           <p:cNvPr id="5" name="日期占位符 4">
             <a:extLst>
               <a:ext uri="{FF2B5EF4-FFF2-40B4-BE49-F238E27FC236}">
-                <a16:creationId xmlns:a16="http://schemas.microsoft.com/office/drawing/2014/main" id="{AF00CA7E-EF07-8A9C-46D4-2B31763DF4CE}"/>
+                <a16:creationId xmlns:a16="http://schemas.microsoft.com/office/drawing/2014/main" id="{19886E68-3CD6-D5D0-FBAA-1FB55E896AFE}"/>
               </a:ext>
             </a:extLst>
           </p:cNvPr>
@@ -2373,7 +2373,7 @@
           <a:bodyPr/>
           <a:lstStyle/>
           <a:p>
-            <a:fld id="{FFB755D7-2036-4EC5-9846-ED6D39BD89E6}" type="datetimeFigureOut">
+            <a:fld id="{884ECD35-CE24-46CB-BFB0-95BA3E1D66E6}" type="datetimeFigureOut">
               <a:rPr lang="zh-CN" altLang="en-US" smtClean="0"/>
               <a:t>2024/3/10</a:t>
             </a:fld>
@@ -2386,7 +2386,7 @@
           <p:cNvPr id="6" name="页脚占位符 5">
             <a:extLst>
               <a:ext uri="{FF2B5EF4-FFF2-40B4-BE49-F238E27FC236}">
-                <a16:creationId xmlns:a16="http://schemas.microsoft.com/office/drawing/2014/main" id="{ED75F4B7-3DB8-3857-9D9A-C589EDF33FA4}"/>
+                <a16:creationId xmlns:a16="http://schemas.microsoft.com/office/drawing/2014/main" id="{91F9ECAD-5F61-CCA2-D17C-E8429DA0542B}"/>
               </a:ext>
             </a:extLst>
           </p:cNvPr>
@@ -2411,7 +2411,7 @@
           <p:cNvPr id="7" name="灯片编号占位符 6">
             <a:extLst>
               <a:ext uri="{FF2B5EF4-FFF2-40B4-BE49-F238E27FC236}">
-                <a16:creationId xmlns:a16="http://schemas.microsoft.com/office/drawing/2014/main" id="{A2E190F6-2EAC-5D75-2BB8-242EF2D79172}"/>
+                <a16:creationId xmlns:a16="http://schemas.microsoft.com/office/drawing/2014/main" id="{42408B83-D9F9-E66B-7997-E4E860C47ADF}"/>
               </a:ext>
             </a:extLst>
           </p:cNvPr>
@@ -2427,7 +2427,7 @@
           <a:bodyPr/>
           <a:lstStyle/>
           <a:p>
-            <a:fld id="{B5F4E34E-AFDD-40EA-8EEF-C9CE6153C76B}" type="slidenum">
+            <a:fld id="{D6C93567-06AA-4026-8B3C-A9E4C4FC2257}" type="slidenum">
               <a:rPr lang="zh-CN" altLang="en-US" smtClean="0"/>
               <a:t>‹#›</a:t>
             </a:fld>
@@ -2438,7 +2438,7 @@
     </p:spTree>
     <p:extLst>
       <p:ext uri="{BB962C8B-B14F-4D97-AF65-F5344CB8AC3E}">
-        <p14:creationId xmlns:p14="http://schemas.microsoft.com/office/powerpoint/2010/main" val="2932879890"/>
+        <p14:creationId xmlns:p14="http://schemas.microsoft.com/office/powerpoint/2010/main" val="1395150493"/>
       </p:ext>
     </p:extLst>
   </p:cSld>
@@ -2470,7 +2470,7 @@
           <p:cNvPr id="2" name="标题 1">
             <a:extLst>
               <a:ext uri="{FF2B5EF4-FFF2-40B4-BE49-F238E27FC236}">
-                <a16:creationId xmlns:a16="http://schemas.microsoft.com/office/drawing/2014/main" id="{59CFDC7C-EE0A-DF89-FE55-E146D0D863AE}"/>
+                <a16:creationId xmlns:a16="http://schemas.microsoft.com/office/drawing/2014/main" id="{F02B1316-D9D7-B1A6-4C6A-B790E0C3E268}"/>
               </a:ext>
             </a:extLst>
           </p:cNvPr>
@@ -2507,7 +2507,7 @@
           <p:cNvPr id="3" name="图片占位符 2">
             <a:extLst>
               <a:ext uri="{FF2B5EF4-FFF2-40B4-BE49-F238E27FC236}">
-                <a16:creationId xmlns:a16="http://schemas.microsoft.com/office/drawing/2014/main" id="{7F359231-6943-7291-7307-8C49EBBAEAD3}"/>
+                <a16:creationId xmlns:a16="http://schemas.microsoft.com/office/drawing/2014/main" id="{726D1107-3D3A-1271-AEB6-ADF16CB877CD}"/>
               </a:ext>
             </a:extLst>
           </p:cNvPr>
@@ -2574,7 +2574,7 @@
           <p:cNvPr id="4" name="文本占位符 3">
             <a:extLst>
               <a:ext uri="{FF2B5EF4-FFF2-40B4-BE49-F238E27FC236}">
-                <a16:creationId xmlns:a16="http://schemas.microsoft.com/office/drawing/2014/main" id="{4F3FCC84-353D-3735-BE83-BECDC169C06B}"/>
+                <a16:creationId xmlns:a16="http://schemas.microsoft.com/office/drawing/2014/main" id="{8375DB0B-5C20-6366-5E89-96F6C8488D8C}"/>
               </a:ext>
             </a:extLst>
           </p:cNvPr>
@@ -2645,7 +2645,7 @@
           <p:cNvPr id="5" name="日期占位符 4">
             <a:extLst>
               <a:ext uri="{FF2B5EF4-FFF2-40B4-BE49-F238E27FC236}">
-                <a16:creationId xmlns:a16="http://schemas.microsoft.com/office/drawing/2014/main" id="{25247F66-6F97-FD35-7838-D1833766C65E}"/>
+                <a16:creationId xmlns:a16="http://schemas.microsoft.com/office/drawing/2014/main" id="{363161E6-EA54-6A34-C7E5-B8EE52ABE4EF}"/>
               </a:ext>
             </a:extLst>
           </p:cNvPr>
@@ -2661,7 +2661,7 @@
           <a:bodyPr/>
           <a:lstStyle/>
           <a:p>
-            <a:fld id="{FFB755D7-2036-4EC5-9846-ED6D39BD89E6}" type="datetimeFigureOut">
+            <a:fld id="{884ECD35-CE24-46CB-BFB0-95BA3E1D66E6}" type="datetimeFigureOut">
               <a:rPr lang="zh-CN" altLang="en-US" smtClean="0"/>
               <a:t>2024/3/10</a:t>
             </a:fld>
@@ -2674,7 +2674,7 @@
           <p:cNvPr id="6" name="页脚占位符 5">
             <a:extLst>
               <a:ext uri="{FF2B5EF4-FFF2-40B4-BE49-F238E27FC236}">
-                <a16:creationId xmlns:a16="http://schemas.microsoft.com/office/drawing/2014/main" id="{21AE702D-84B5-08C3-2224-93346B287F45}"/>
+                <a16:creationId xmlns:a16="http://schemas.microsoft.com/office/drawing/2014/main" id="{82D31F7C-9F4A-D7E0-FC04-5576425D47DF}"/>
               </a:ext>
             </a:extLst>
           </p:cNvPr>
@@ -2699,7 +2699,7 @@
           <p:cNvPr id="7" name="灯片编号占位符 6">
             <a:extLst>
               <a:ext uri="{FF2B5EF4-FFF2-40B4-BE49-F238E27FC236}">
-                <a16:creationId xmlns:a16="http://schemas.microsoft.com/office/drawing/2014/main" id="{3338479B-D615-E042-CA14-34A392151B72}"/>
+                <a16:creationId xmlns:a16="http://schemas.microsoft.com/office/drawing/2014/main" id="{E0C110CE-FB7B-9BE8-4EF8-078E7F483C0A}"/>
               </a:ext>
             </a:extLst>
           </p:cNvPr>
@@ -2715,7 +2715,7 @@
           <a:bodyPr/>
           <a:lstStyle/>
           <a:p>
-            <a:fld id="{B5F4E34E-AFDD-40EA-8EEF-C9CE6153C76B}" type="slidenum">
+            <a:fld id="{D6C93567-06AA-4026-8B3C-A9E4C4FC2257}" type="slidenum">
               <a:rPr lang="zh-CN" altLang="en-US" smtClean="0"/>
               <a:t>‹#›</a:t>
             </a:fld>
@@ -2726,7 +2726,7 @@
     </p:spTree>
     <p:extLst>
       <p:ext uri="{BB962C8B-B14F-4D97-AF65-F5344CB8AC3E}">
-        <p14:creationId xmlns:p14="http://schemas.microsoft.com/office/powerpoint/2010/main" val="1052266452"/>
+        <p14:creationId xmlns:p14="http://schemas.microsoft.com/office/powerpoint/2010/main" val="2737145783"/>
       </p:ext>
     </p:extLst>
   </p:cSld>
@@ -2763,7 +2763,7 @@
           <p:cNvPr id="2" name="标题占位符 1">
             <a:extLst>
               <a:ext uri="{FF2B5EF4-FFF2-40B4-BE49-F238E27FC236}">
-                <a16:creationId xmlns:a16="http://schemas.microsoft.com/office/drawing/2014/main" id="{AC611FAF-E8BF-7C5C-6B5E-09038A5738BF}"/>
+                <a16:creationId xmlns:a16="http://schemas.microsoft.com/office/drawing/2014/main" id="{C1F859A8-7D86-6235-B702-FEFE761B452D}"/>
               </a:ext>
             </a:extLst>
           </p:cNvPr>
@@ -2801,7 +2801,7 @@
           <p:cNvPr id="3" name="文本占位符 2">
             <a:extLst>
               <a:ext uri="{FF2B5EF4-FFF2-40B4-BE49-F238E27FC236}">
-                <a16:creationId xmlns:a16="http://schemas.microsoft.com/office/drawing/2014/main" id="{07C20607-15AF-461C-A345-626F22D5A6AE}"/>
+                <a16:creationId xmlns:a16="http://schemas.microsoft.com/office/drawing/2014/main" id="{794825F4-05AC-5CDF-FF97-F63F393EC265}"/>
               </a:ext>
             </a:extLst>
           </p:cNvPr>
@@ -2868,7 +2868,7 @@
           <p:cNvPr id="4" name="日期占位符 3">
             <a:extLst>
               <a:ext uri="{FF2B5EF4-FFF2-40B4-BE49-F238E27FC236}">
-                <a16:creationId xmlns:a16="http://schemas.microsoft.com/office/drawing/2014/main" id="{6A2D5320-2242-69BD-1572-08C82A64CB91}"/>
+                <a16:creationId xmlns:a16="http://schemas.microsoft.com/office/drawing/2014/main" id="{5CDAD549-7989-D96C-1A0F-23A5FCA78E8F}"/>
               </a:ext>
             </a:extLst>
           </p:cNvPr>
@@ -2902,7 +2902,7 @@
             </a:lvl1pPr>
           </a:lstStyle>
           <a:p>
-            <a:fld id="{FFB755D7-2036-4EC5-9846-ED6D39BD89E6}" type="datetimeFigureOut">
+            <a:fld id="{884ECD35-CE24-46CB-BFB0-95BA3E1D66E6}" type="datetimeFigureOut">
               <a:rPr lang="zh-CN" altLang="en-US" smtClean="0"/>
               <a:t>2024/3/10</a:t>
             </a:fld>
@@ -2915,7 +2915,7 @@
           <p:cNvPr id="5" name="页脚占位符 4">
             <a:extLst>
               <a:ext uri="{FF2B5EF4-FFF2-40B4-BE49-F238E27FC236}">
-                <a16:creationId xmlns:a16="http://schemas.microsoft.com/office/drawing/2014/main" id="{51786F92-AECA-8BA1-425A-C913B1DEBA81}"/>
+                <a16:creationId xmlns:a16="http://schemas.microsoft.com/office/drawing/2014/main" id="{4BE8B9EC-FD5D-8258-538D-E359D5F5B710}"/>
               </a:ext>
             </a:extLst>
           </p:cNvPr>
@@ -2958,7 +2958,7 @@
           <p:cNvPr id="6" name="灯片编号占位符 5">
             <a:extLst>
               <a:ext uri="{FF2B5EF4-FFF2-40B4-BE49-F238E27FC236}">
-                <a16:creationId xmlns:a16="http://schemas.microsoft.com/office/drawing/2014/main" id="{827FF8CA-0D90-362D-CF9D-8DC39A44866E}"/>
+                <a16:creationId xmlns:a16="http://schemas.microsoft.com/office/drawing/2014/main" id="{43BF3B51-95CC-0358-A917-623EE4391BF3}"/>
               </a:ext>
             </a:extLst>
           </p:cNvPr>
@@ -2992,7 +2992,7 @@
             </a:lvl1pPr>
           </a:lstStyle>
           <a:p>
-            <a:fld id="{B5F4E34E-AFDD-40EA-8EEF-C9CE6153C76B}" type="slidenum">
+            <a:fld id="{D6C93567-06AA-4026-8B3C-A9E4C4FC2257}" type="slidenum">
               <a:rPr lang="zh-CN" altLang="en-US" smtClean="0"/>
               <a:t>‹#›</a:t>
             </a:fld>
@@ -3003,7 +3003,7 @@
     </p:spTree>
     <p:extLst>
       <p:ext uri="{BB962C8B-B14F-4D97-AF65-F5344CB8AC3E}">
-        <p14:creationId xmlns:p14="http://schemas.microsoft.com/office/powerpoint/2010/main" val="2620499850"/>
+        <p14:creationId xmlns:p14="http://schemas.microsoft.com/office/powerpoint/2010/main" val="3061410499"/>
       </p:ext>
     </p:extLst>
   </p:cSld>
